--- a/D3/introToD3.pptx
+++ b/D3/introToD3.pptx
@@ -218,7 +218,7 @@
           <a:p>
             <a:fld id="{5C7B60CB-4555-4E4C-8A61-26D94E33D181}" type="datetimeFigureOut">
               <a:rPr lang="en-US" smtClean="0"/>
-              <a:t>8/19/19</a:t>
+              <a:t>9/4/19</a:t>
             </a:fld>
             <a:endParaRPr lang="en-US"/>
           </a:p>
@@ -1926,7 +1926,7 @@
           <a:p>
             <a:fld id="{C336076D-836C-44D8-B1E0-272F963C7580}" type="datetimeFigureOut">
               <a:rPr lang="en-US" smtClean="0"/>
-              <a:t>8/19/19</a:t>
+              <a:t>9/4/19</a:t>
             </a:fld>
             <a:endParaRPr lang="en-US"/>
           </a:p>
@@ -2104,7 +2104,7 @@
           <a:p>
             <a:fld id="{C336076D-836C-44D8-B1E0-272F963C7580}" type="datetimeFigureOut">
               <a:rPr lang="en-US" smtClean="0"/>
-              <a:t>8/19/19</a:t>
+              <a:t>9/4/19</a:t>
             </a:fld>
             <a:endParaRPr lang="en-US"/>
           </a:p>
@@ -2292,7 +2292,7 @@
           <a:p>
             <a:fld id="{C336076D-836C-44D8-B1E0-272F963C7580}" type="datetimeFigureOut">
               <a:rPr lang="en-US" smtClean="0"/>
-              <a:t>8/19/19</a:t>
+              <a:t>9/4/19</a:t>
             </a:fld>
             <a:endParaRPr lang="en-US"/>
           </a:p>
@@ -2470,7 +2470,7 @@
           <a:p>
             <a:fld id="{C336076D-836C-44D8-B1E0-272F963C7580}" type="datetimeFigureOut">
               <a:rPr lang="en-US" smtClean="0"/>
-              <a:t>8/19/19</a:t>
+              <a:t>9/4/19</a:t>
             </a:fld>
             <a:endParaRPr lang="en-US"/>
           </a:p>
@@ -2724,7 +2724,7 @@
           <a:p>
             <a:fld id="{C336076D-836C-44D8-B1E0-272F963C7580}" type="datetimeFigureOut">
               <a:rPr lang="en-US" smtClean="0"/>
-              <a:t>8/19/19</a:t>
+              <a:t>9/4/19</a:t>
             </a:fld>
             <a:endParaRPr lang="en-US"/>
           </a:p>
@@ -2964,7 +2964,7 @@
           <a:p>
             <a:fld id="{C336076D-836C-44D8-B1E0-272F963C7580}" type="datetimeFigureOut">
               <a:rPr lang="en-US" smtClean="0"/>
-              <a:t>8/19/19</a:t>
+              <a:t>9/4/19</a:t>
             </a:fld>
             <a:endParaRPr lang="en-US"/>
           </a:p>
@@ -3339,7 +3339,7 @@
           <a:p>
             <a:fld id="{C336076D-836C-44D8-B1E0-272F963C7580}" type="datetimeFigureOut">
               <a:rPr lang="en-US" smtClean="0"/>
-              <a:t>8/19/19</a:t>
+              <a:t>9/4/19</a:t>
             </a:fld>
             <a:endParaRPr lang="en-US"/>
           </a:p>
@@ -3465,7 +3465,7 @@
           <a:p>
             <a:fld id="{C336076D-836C-44D8-B1E0-272F963C7580}" type="datetimeFigureOut">
               <a:rPr lang="en-US" smtClean="0"/>
-              <a:t>8/19/19</a:t>
+              <a:t>9/4/19</a:t>
             </a:fld>
             <a:endParaRPr lang="en-US"/>
           </a:p>
@@ -3568,7 +3568,7 @@
           <a:p>
             <a:fld id="{C336076D-836C-44D8-B1E0-272F963C7580}" type="datetimeFigureOut">
               <a:rPr lang="en-US" smtClean="0"/>
-              <a:t>8/19/19</a:t>
+              <a:t>9/4/19</a:t>
             </a:fld>
             <a:endParaRPr lang="en-US"/>
           </a:p>
@@ -3853,7 +3853,7 @@
           <a:p>
             <a:fld id="{C336076D-836C-44D8-B1E0-272F963C7580}" type="datetimeFigureOut">
               <a:rPr lang="en-US" smtClean="0"/>
-              <a:t>8/19/19</a:t>
+              <a:t>9/4/19</a:t>
             </a:fld>
             <a:endParaRPr lang="en-US"/>
           </a:p>
@@ -4118,7 +4118,7 @@
           <a:p>
             <a:fld id="{C336076D-836C-44D8-B1E0-272F963C7580}" type="datetimeFigureOut">
               <a:rPr lang="en-US" smtClean="0"/>
-              <a:t>8/19/19</a:t>
+              <a:t>9/4/19</a:t>
             </a:fld>
             <a:endParaRPr lang="en-US"/>
           </a:p>
@@ -4334,7 +4334,7 @@
           <a:p>
             <a:fld id="{C336076D-836C-44D8-B1E0-272F963C7580}" type="datetimeFigureOut">
               <a:rPr lang="en-US" smtClean="0"/>
-              <a:t>8/19/19</a:t>
+              <a:t>9/4/19</a:t>
             </a:fld>
             <a:endParaRPr lang="en-US"/>
           </a:p>
@@ -5109,11 +5109,16 @@
             </a:pPr>
             <a:r>
               <a:rPr lang="en-US" dirty="0"/>
-              <a:t>	</a:t>
-            </a:r>
-            <a:r>
-              <a:rPr lang="en-US" dirty="0" err="1"/>
-              <a:t>matplotlib</a:t>
+              <a:t>	matplotlib</a:t>
+            </a:r>
+          </a:p>
+          <a:p>
+            <a:pPr marL="0" indent="0">
+              <a:buNone/>
+            </a:pPr>
+            <a:r>
+              <a:rPr lang="en-US"/>
+              <a:t>	bokeh</a:t>
             </a:r>
             <a:endParaRPr lang="en-US" dirty="0"/>
           </a:p>

--- a/D3/introToD3.pptx
+++ b/D3/introToD3.pptx
@@ -6735,7 +6735,9 @@
         </p:nvSpPr>
         <p:spPr/>
         <p:txBody>
-          <a:bodyPr/>
+          <a:bodyPr>
+            <a:normAutofit lnSpcReduction="10000"/>
+          </a:bodyPr>
           <a:lstStyle/>
           <a:p>
             <a:r>
@@ -6776,7 +6778,14 @@
           <a:p>
             <a:r>
               <a:rPr lang="en-US" dirty="0"/>
-              <a:t>Only plot one congress number at a time</a:t>
+              <a:t>Only plot one congress number at a time </a:t>
+            </a:r>
+          </a:p>
+          <a:p>
+            <a:pPr lvl="1"/>
+            <a:r>
+              <a:rPr lang="en-US" dirty="0"/>
+              <a:t>Hint: use the .filter function</a:t>
             </a:r>
           </a:p>
           <a:p>
@@ -6788,8 +6797,19 @@
           <a:p>
             <a:pPr lvl="1"/>
             <a:r>
-              <a:rPr lang="en-US" dirty="0"/>
-              <a:t>Bonus points for using d3 transitions</a:t>
+              <a:rPr lang="en-US"/>
+              <a:t>Bonus Points </a:t>
+            </a:r>
+            <a:r>
+              <a:rPr lang="en-US" dirty="0"/>
+              <a:t>for using the party names, rather than codes, in the legend</a:t>
+            </a:r>
+          </a:p>
+          <a:p>
+            <a:pPr lvl="1"/>
+            <a:r>
+              <a:rPr lang="en-US" dirty="0"/>
+              <a:t>Extra Bonus Points for using d3 transitions somehow.</a:t>
             </a:r>
           </a:p>
         </p:txBody>

--- a/D3/introToD3.pptx
+++ b/D3/introToD3.pptx
@@ -218,7 +218,7 @@
           <a:p>
             <a:fld id="{5C7B60CB-4555-4E4C-8A61-26D94E33D181}" type="datetimeFigureOut">
               <a:rPr lang="en-US" smtClean="0"/>
-              <a:t>9/4/19</a:t>
+              <a:t>9/8/20</a:t>
             </a:fld>
             <a:endParaRPr lang="en-US"/>
           </a:p>
@@ -1926,7 +1926,7 @@
           <a:p>
             <a:fld id="{C336076D-836C-44D8-B1E0-272F963C7580}" type="datetimeFigureOut">
               <a:rPr lang="en-US" smtClean="0"/>
-              <a:t>9/4/19</a:t>
+              <a:t>9/8/20</a:t>
             </a:fld>
             <a:endParaRPr lang="en-US"/>
           </a:p>
@@ -2104,7 +2104,7 @@
           <a:p>
             <a:fld id="{C336076D-836C-44D8-B1E0-272F963C7580}" type="datetimeFigureOut">
               <a:rPr lang="en-US" smtClean="0"/>
-              <a:t>9/4/19</a:t>
+              <a:t>9/8/20</a:t>
             </a:fld>
             <a:endParaRPr lang="en-US"/>
           </a:p>
@@ -2292,7 +2292,7 @@
           <a:p>
             <a:fld id="{C336076D-836C-44D8-B1E0-272F963C7580}" type="datetimeFigureOut">
               <a:rPr lang="en-US" smtClean="0"/>
-              <a:t>9/4/19</a:t>
+              <a:t>9/8/20</a:t>
             </a:fld>
             <a:endParaRPr lang="en-US"/>
           </a:p>
@@ -2470,7 +2470,7 @@
           <a:p>
             <a:fld id="{C336076D-836C-44D8-B1E0-272F963C7580}" type="datetimeFigureOut">
               <a:rPr lang="en-US" smtClean="0"/>
-              <a:t>9/4/19</a:t>
+              <a:t>9/8/20</a:t>
             </a:fld>
             <a:endParaRPr lang="en-US"/>
           </a:p>
@@ -2724,7 +2724,7 @@
           <a:p>
             <a:fld id="{C336076D-836C-44D8-B1E0-272F963C7580}" type="datetimeFigureOut">
               <a:rPr lang="en-US" smtClean="0"/>
-              <a:t>9/4/19</a:t>
+              <a:t>9/8/20</a:t>
             </a:fld>
             <a:endParaRPr lang="en-US"/>
           </a:p>
@@ -2964,7 +2964,7 @@
           <a:p>
             <a:fld id="{C336076D-836C-44D8-B1E0-272F963C7580}" type="datetimeFigureOut">
               <a:rPr lang="en-US" smtClean="0"/>
-              <a:t>9/4/19</a:t>
+              <a:t>9/8/20</a:t>
             </a:fld>
             <a:endParaRPr lang="en-US"/>
           </a:p>
@@ -3339,7 +3339,7 @@
           <a:p>
             <a:fld id="{C336076D-836C-44D8-B1E0-272F963C7580}" type="datetimeFigureOut">
               <a:rPr lang="en-US" smtClean="0"/>
-              <a:t>9/4/19</a:t>
+              <a:t>9/8/20</a:t>
             </a:fld>
             <a:endParaRPr lang="en-US"/>
           </a:p>
@@ -3465,7 +3465,7 @@
           <a:p>
             <a:fld id="{C336076D-836C-44D8-B1E0-272F963C7580}" type="datetimeFigureOut">
               <a:rPr lang="en-US" smtClean="0"/>
-              <a:t>9/4/19</a:t>
+              <a:t>9/8/20</a:t>
             </a:fld>
             <a:endParaRPr lang="en-US"/>
           </a:p>
@@ -3568,7 +3568,7 @@
           <a:p>
             <a:fld id="{C336076D-836C-44D8-B1E0-272F963C7580}" type="datetimeFigureOut">
               <a:rPr lang="en-US" smtClean="0"/>
-              <a:t>9/4/19</a:t>
+              <a:t>9/8/20</a:t>
             </a:fld>
             <a:endParaRPr lang="en-US"/>
           </a:p>
@@ -3853,7 +3853,7 @@
           <a:p>
             <a:fld id="{C336076D-836C-44D8-B1E0-272F963C7580}" type="datetimeFigureOut">
               <a:rPr lang="en-US" smtClean="0"/>
-              <a:t>9/4/19</a:t>
+              <a:t>9/8/20</a:t>
             </a:fld>
             <a:endParaRPr lang="en-US"/>
           </a:p>
@@ -4118,7 +4118,7 @@
           <a:p>
             <a:fld id="{C336076D-836C-44D8-B1E0-272F963C7580}" type="datetimeFigureOut">
               <a:rPr lang="en-US" smtClean="0"/>
-              <a:t>9/4/19</a:t>
+              <a:t>9/8/20</a:t>
             </a:fld>
             <a:endParaRPr lang="en-US"/>
           </a:p>
@@ -4334,7 +4334,7 @@
           <a:p>
             <a:fld id="{C336076D-836C-44D8-B1E0-272F963C7580}" type="datetimeFigureOut">
               <a:rPr lang="en-US" smtClean="0"/>
-              <a:t>9/4/19</a:t>
+              <a:t>9/8/20</a:t>
             </a:fld>
             <a:endParaRPr lang="en-US"/>
           </a:p>
@@ -4935,7 +4935,19 @@
             <a:pPr algn="l"/>
             <a:r>
               <a:rPr lang="en-US" dirty="0"/>
-              <a:t>https://www.nytimes.com/interactive/2014/upshot/buy-rent-calculator.htmlhttps://bost.ocks.org/mike/algorithms/</a:t>
+              <a:t>https://www.nytimes.com/interactive/2014/upshot/buy-rent-</a:t>
+            </a:r>
+            <a:r>
+              <a:rPr lang="en-US" dirty="0" err="1"/>
+              <a:t>calculator.html</a:t>
+            </a:r>
+            <a:endParaRPr lang="en-US" dirty="0"/>
+          </a:p>
+          <a:p>
+            <a:pPr algn="l"/>
+            <a:r>
+              <a:rPr lang="en-US" dirty="0"/>
+              <a:t>https://bost.ocks.org/mike/algorithms/</a:t>
             </a:r>
           </a:p>
           <a:p>
@@ -6654,6 +6666,20 @@
           <a:p>
             <a:r>
               <a:rPr lang="en-US" dirty="0"/>
+              <a:t>Color by “</a:t>
+            </a:r>
+            <a:r>
+              <a:rPr lang="en-US" dirty="0" err="1"/>
+              <a:t>party_code</a:t>
+            </a:r>
+            <a:r>
+              <a:rPr lang="en-US" dirty="0"/>
+              <a:t>”</a:t>
+            </a:r>
+          </a:p>
+          <a:p>
+            <a:r>
+              <a:rPr lang="en-US" dirty="0"/>
               <a:t>Make all the fonts larger and sans-serif</a:t>
             </a:r>
           </a:p>
@@ -6797,12 +6823,8 @@
           <a:p>
             <a:pPr lvl="1"/>
             <a:r>
-              <a:rPr lang="en-US"/>
-              <a:t>Bonus Points </a:t>
-            </a:r>
-            <a:r>
-              <a:rPr lang="en-US" dirty="0"/>
-              <a:t>for using the party names, rather than codes, in the legend</a:t>
+              <a:rPr lang="en-US" dirty="0"/>
+              <a:t>Bonus Points for using the party names, rather than codes, in the legend</a:t>
             </a:r>
           </a:p>
           <a:p>
